--- a/docs/scrum/sprint0/Sprint 0 Review.pptx
+++ b/docs/scrum/sprint0/Sprint 0 Review.pptx
@@ -120,7 +120,7 @@
   </p:defaultTextStyle>
   <p:extLst>
     <p:ext uri="{EFAFB233-063F-42B5-8137-9DF3F51BA10A}">
-      <p15:sldGuideLst xmlns:p15="http://schemas.microsoft.com/office/powerpoint/2012/main">
+      <p15:sldGuideLst xmlns:p15="http://schemas.microsoft.com/office/powerpoint/2012/main" xmlns="">
         <p15:guide id="1" orient="horz" pos="3840">
           <p15:clr>
             <a:srgbClr val="A4A3A4"/>
@@ -220,7 +220,7 @@
             <a:fld id="{93F31936-34FB-46D7-8B5B-9A9CF58989DC}" type="datetimeFigureOut">
               <a:rPr lang="en-US" smtClean="0"/>
               <a:pPr/>
-              <a:t>6/22/2015</a:t>
+              <a:t>6/24/15</a:t>
             </a:fld>
             <a:endParaRPr lang="en-US"/>
           </a:p>
@@ -2176,7 +2176,7 @@
             <a:fld id="{31CC4B11-A6A5-4D9E-9368-043FB2A4AF23}" type="datetimeFigureOut">
               <a:rPr lang="en-US" smtClean="0"/>
               <a:pPr/>
-              <a:t>6/22/2015</a:t>
+              <a:t>6/24/15</a:t>
             </a:fld>
             <a:endParaRPr lang="en-US"/>
           </a:p>
@@ -2343,7 +2343,7 @@
             <a:fld id="{31CC4B11-A6A5-4D9E-9368-043FB2A4AF23}" type="datetimeFigureOut">
               <a:rPr lang="en-US" smtClean="0"/>
               <a:pPr/>
-              <a:t>6/22/2015</a:t>
+              <a:t>6/24/15</a:t>
             </a:fld>
             <a:endParaRPr lang="en-US"/>
           </a:p>
@@ -2520,7 +2520,7 @@
             <a:fld id="{31CC4B11-A6A5-4D9E-9368-043FB2A4AF23}" type="datetimeFigureOut">
               <a:rPr lang="en-US" smtClean="0"/>
               <a:pPr/>
-              <a:t>6/22/2015</a:t>
+              <a:t>6/24/15</a:t>
             </a:fld>
             <a:endParaRPr lang="en-US"/>
           </a:p>
@@ -2687,7 +2687,7 @@
             <a:fld id="{31CC4B11-A6A5-4D9E-9368-043FB2A4AF23}" type="datetimeFigureOut">
               <a:rPr lang="en-US" smtClean="0"/>
               <a:pPr/>
-              <a:t>6/22/2015</a:t>
+              <a:t>6/24/15</a:t>
             </a:fld>
             <a:endParaRPr lang="en-US"/>
           </a:p>
@@ -2930,7 +2930,7 @@
             <a:fld id="{31CC4B11-A6A5-4D9E-9368-043FB2A4AF23}" type="datetimeFigureOut">
               <a:rPr lang="en-US" smtClean="0"/>
               <a:pPr/>
-              <a:t>6/22/2015</a:t>
+              <a:t>6/24/15</a:t>
             </a:fld>
             <a:endParaRPr lang="en-US"/>
           </a:p>
@@ -3215,7 +3215,7 @@
             <a:fld id="{31CC4B11-A6A5-4D9E-9368-043FB2A4AF23}" type="datetimeFigureOut">
               <a:rPr lang="en-US" smtClean="0"/>
               <a:pPr/>
-              <a:t>6/22/2015</a:t>
+              <a:t>6/24/15</a:t>
             </a:fld>
             <a:endParaRPr lang="en-US"/>
           </a:p>
@@ -3634,7 +3634,7 @@
             <a:fld id="{31CC4B11-A6A5-4D9E-9368-043FB2A4AF23}" type="datetimeFigureOut">
               <a:rPr lang="en-US" smtClean="0"/>
               <a:pPr/>
-              <a:t>6/22/2015</a:t>
+              <a:t>6/24/15</a:t>
             </a:fld>
             <a:endParaRPr lang="en-US"/>
           </a:p>
@@ -3749,7 +3749,7 @@
             <a:fld id="{31CC4B11-A6A5-4D9E-9368-043FB2A4AF23}" type="datetimeFigureOut">
               <a:rPr lang="en-US" smtClean="0"/>
               <a:pPr/>
-              <a:t>6/22/2015</a:t>
+              <a:t>6/24/15</a:t>
             </a:fld>
             <a:endParaRPr lang="en-US"/>
           </a:p>
@@ -3841,7 +3841,7 @@
             <a:fld id="{31CC4B11-A6A5-4D9E-9368-043FB2A4AF23}" type="datetimeFigureOut">
               <a:rPr lang="en-US" smtClean="0"/>
               <a:pPr/>
-              <a:t>6/22/2015</a:t>
+              <a:t>6/24/15</a:t>
             </a:fld>
             <a:endParaRPr lang="en-US"/>
           </a:p>
@@ -4115,7 +4115,7 @@
             <a:fld id="{31CC4B11-A6A5-4D9E-9368-043FB2A4AF23}" type="datetimeFigureOut">
               <a:rPr lang="en-US" smtClean="0"/>
               <a:pPr/>
-              <a:t>6/22/2015</a:t>
+              <a:t>6/24/15</a:t>
             </a:fld>
             <a:endParaRPr lang="en-US"/>
           </a:p>
@@ -4369,7 +4369,7 @@
             <a:fld id="{31CC4B11-A6A5-4D9E-9368-043FB2A4AF23}" type="datetimeFigureOut">
               <a:rPr lang="en-US" smtClean="0"/>
               <a:pPr/>
-              <a:t>6/22/2015</a:t>
+              <a:t>6/24/15</a:t>
             </a:fld>
             <a:endParaRPr lang="en-US"/>
           </a:p>
@@ -4593,7 +4593,7 @@
             <a:fld id="{31CC4B11-A6A5-4D9E-9368-043FB2A4AF23}" type="datetimeFigureOut">
               <a:rPr lang="en-US" smtClean="0"/>
               <a:pPr/>
-              <a:t>6/22/2015</a:t>
+              <a:t>6/24/15</a:t>
             </a:fld>
             <a:endParaRPr lang="en-US"/>
           </a:p>
@@ -5522,7 +5522,7 @@
   <p:timing>
     <p:tnLst>
       <p:par>
-        <p:cTn id="1" dur="indefinite" restart="never" nodeType="tmRoot"/>
+        <p:cTn xmlns:p14="http://schemas.microsoft.com/office/powerpoint/2010/main" id="1" dur="indefinite" restart="never" nodeType="tmRoot"/>
       </p:par>
     </p:tnLst>
   </p:timing>
@@ -6152,7 +6152,7 @@
   <p:timing>
     <p:tnLst>
       <p:par>
-        <p:cTn id="1" dur="indefinite" restart="never" nodeType="tmRoot"/>
+        <p:cTn xmlns:p14="http://schemas.microsoft.com/office/powerpoint/2010/main" id="1" dur="indefinite" restart="never" nodeType="tmRoot"/>
       </p:par>
     </p:tnLst>
   </p:timing>
@@ -6289,14 +6289,14 @@
             <a:noFill/>
           </a:ln>
           <a:extLst>
-            <a:ext uri="{909E8E84-426E-40DD-AFC4-6F175D3DCCD1}">
+            <a:ext uri="{909E8E84-426E-40dd-AFC4-6F175D3DCCD1}">
               <a14:hiddenFill xmlns:a14="http://schemas.microsoft.com/office/drawing/2010/main">
                 <a:solidFill>
                   <a:srgbClr val="FFFFFF"/>
                 </a:solidFill>
               </a14:hiddenFill>
             </a:ext>
-            <a:ext uri="{91240B29-F687-4F45-9708-019B960494DF}">
+            <a:ext uri="{91240B29-F687-4f45-9708-019B960494DF}">
               <a14:hiddenLine xmlns:a14="http://schemas.microsoft.com/office/drawing/2010/main" w="9525">
                 <a:solidFill>
                   <a:srgbClr val="000000"/>
@@ -6322,7 +6322,7 @@
   <p:timing>
     <p:tnLst>
       <p:par>
-        <p:cTn id="1" dur="indefinite" restart="never" nodeType="tmRoot"/>
+        <p:cTn xmlns:p14="http://schemas.microsoft.com/office/powerpoint/2010/main" id="1" dur="indefinite" restart="never" nodeType="tmRoot"/>
       </p:par>
     </p:tnLst>
   </p:timing>
@@ -6394,7 +6394,7 @@
   <p:timing>
     <p:tnLst>
       <p:par>
-        <p:cTn id="1" dur="indefinite" restart="never" nodeType="tmRoot"/>
+        <p:cTn xmlns:p14="http://schemas.microsoft.com/office/powerpoint/2010/main" id="1" dur="indefinite" restart="never" nodeType="tmRoot"/>
       </p:par>
     </p:tnLst>
   </p:timing>
@@ -6453,7 +6453,6 @@
               <a:rPr lang="en-US" sz="2000" dirty="0" smtClean="0"/>
               <a:t>Accomplishments</a:t>
             </a:r>
-            <a:endParaRPr lang="en-US" sz="2000" dirty="0" smtClean="0"/>
           </a:p>
           <a:p>
             <a:pPr eaLnBrk="1" hangingPunct="1"/>
@@ -6461,7 +6460,6 @@
               <a:rPr lang="en-US" sz="2000" dirty="0" smtClean="0"/>
               <a:t>Action Items</a:t>
             </a:r>
-            <a:endParaRPr lang="en-US" sz="2000" dirty="0" smtClean="0"/>
           </a:p>
           <a:p>
             <a:pPr eaLnBrk="1" hangingPunct="1"/>
@@ -6622,7 +6620,7 @@
   <p:timing>
     <p:tnLst>
       <p:par>
-        <p:cTn id="1" dur="indefinite" restart="never" nodeType="tmRoot"/>
+        <p:cTn xmlns:p14="http://schemas.microsoft.com/office/powerpoint/2010/main" id="1" dur="indefinite" restart="never" nodeType="tmRoot"/>
       </p:par>
     </p:tnLst>
   </p:timing>
@@ -6747,14 +6745,14 @@
           </a:ln>
           <a:effectLst/>
           <a:extLst>
-            <a:ext uri="{909E8E84-426E-40DD-AFC4-6F175D3DCCD1}">
+            <a:ext uri="{909E8E84-426E-40dd-AFC4-6F175D3DCCD1}">
               <a14:hiddenFill xmlns:a14="http://schemas.microsoft.com/office/drawing/2010/main">
                 <a:solidFill>
                   <a:schemeClr val="accent1"/>
                 </a:solidFill>
               </a14:hiddenFill>
             </a:ext>
-            <a:ext uri="{91240B29-F687-4F45-9708-019B960494DF}">
+            <a:ext uri="{91240B29-F687-4f45-9708-019B960494DF}">
               <a14:hiddenLine xmlns:a14="http://schemas.microsoft.com/office/drawing/2010/main" w="9525">
                 <a:solidFill>
                   <a:schemeClr val="tx1"/>
@@ -6764,7 +6762,7 @@
                 <a:tailEnd/>
               </a14:hiddenLine>
             </a:ext>
-            <a:ext uri="{AF507438-7753-43E0-B8FC-AC1667EBCBE1}">
+            <a:ext uri="{AF507438-7753-43e0-B8FC-AC1667EBCBE1}">
               <a14:hiddenEffects xmlns:a14="http://schemas.microsoft.com/office/drawing/2010/main">
                 <a:effectLst>
                   <a:outerShdw dist="35921" dir="2700000" algn="ctr" rotWithShape="0">
@@ -6945,8 +6943,8 @@
           </a:p>
           <a:p>
             <a:pPr marL="742950" lvl="1" indent="-285750">
-              <a:buFont typeface="Wingdings" panose="05000000000000000000" pitchFamily="2" charset="2"/>
-              <a:buChar char="§"/>
+              <a:buFont typeface="Wingdings" charset="2"/>
+              <a:buChar char="ü"/>
             </a:pPr>
             <a:r>
               <a:rPr kumimoji="0" lang="en-US" altLang="en-US" b="0" i="0" u="none" strike="noStrike" cap="none" normalizeH="0" baseline="0" dirty="0" smtClean="0">
@@ -6976,8 +6974,8 @@
           </a:p>
           <a:p>
             <a:pPr marL="742950" lvl="1" indent="-285750">
-              <a:buFont typeface="Wingdings" panose="05000000000000000000" pitchFamily="2" charset="2"/>
-              <a:buChar char="§"/>
+              <a:buFont typeface="Wingdings" charset="2"/>
+              <a:buChar char="ü"/>
             </a:pPr>
             <a:r>
               <a:rPr kumimoji="0" lang="en-US" altLang="en-US" b="0" i="0" u="none" strike="noStrike" cap="none" normalizeH="0" baseline="0" dirty="0" smtClean="0">
@@ -6997,8 +6995,8 @@
           </a:p>
           <a:p>
             <a:pPr marL="742950" lvl="1" indent="-285750">
-              <a:buFont typeface="Wingdings" panose="05000000000000000000" pitchFamily="2" charset="2"/>
-              <a:buChar char="§"/>
+              <a:buFont typeface="Wingdings" charset="2"/>
+              <a:buChar char="ü"/>
             </a:pPr>
             <a:r>
               <a:rPr kumimoji="0" lang="en-US" altLang="en-US" b="0" i="0" u="none" strike="noStrike" cap="none" normalizeH="0" baseline="0" dirty="0" smtClean="0">
@@ -7018,8 +7016,8 @@
           </a:p>
           <a:p>
             <a:pPr marL="742950" lvl="1" indent="-285750">
-              <a:buFont typeface="Wingdings" panose="05000000000000000000" pitchFamily="2" charset="2"/>
-              <a:buChar char="§"/>
+              <a:buFont typeface="Wingdings" charset="2"/>
+              <a:buChar char="ü"/>
             </a:pPr>
             <a:r>
               <a:rPr kumimoji="0" lang="en-US" altLang="en-US" b="0" i="0" u="none" strike="noStrike" cap="none" normalizeH="0" baseline="0" dirty="0" smtClean="0">
@@ -7049,8 +7047,8 @@
           </a:p>
           <a:p>
             <a:pPr marL="742950" lvl="1" indent="-285750">
-              <a:buFont typeface="Wingdings" panose="05000000000000000000" pitchFamily="2" charset="2"/>
-              <a:buChar char="§"/>
+              <a:buFont typeface="Wingdings" charset="2"/>
+              <a:buChar char="ü"/>
             </a:pPr>
             <a:r>
               <a:rPr kumimoji="0" lang="en-US" altLang="en-US" b="0" i="0" u="none" strike="noStrike" cap="none" normalizeH="0" baseline="0" dirty="0" smtClean="0">
@@ -7070,8 +7068,8 @@
           </a:p>
           <a:p>
             <a:pPr marL="1200150" lvl="2" indent="-285750">
-              <a:buFont typeface="Wingdings" panose="05000000000000000000" pitchFamily="2" charset="2"/>
-              <a:buChar char="§"/>
+              <a:buFont typeface="Wingdings" charset="2"/>
+              <a:buChar char="ü"/>
             </a:pPr>
             <a:r>
               <a:rPr kumimoji="0" lang="en-US" altLang="en-US" b="0" i="0" u="none" strike="noStrike" cap="none" normalizeH="0" baseline="0" dirty="0" smtClean="0">
@@ -7101,8 +7099,8 @@
           </a:p>
           <a:p>
             <a:pPr marL="742950" lvl="1" indent="-285750">
-              <a:buFont typeface="Wingdings" panose="05000000000000000000" pitchFamily="2" charset="2"/>
-              <a:buChar char="§"/>
+              <a:buFont typeface="Wingdings" charset="2"/>
+              <a:buChar char="ü"/>
             </a:pPr>
             <a:r>
               <a:rPr kumimoji="0" lang="en-US" altLang="en-US" b="0" i="0" u="none" strike="noStrike" cap="none" normalizeH="0" baseline="0" dirty="0" smtClean="0">
@@ -7122,8 +7120,8 @@
           </a:p>
           <a:p>
             <a:pPr marL="1200150" lvl="2" indent="-285750">
-              <a:buFont typeface="Wingdings" panose="05000000000000000000" pitchFamily="2" charset="2"/>
-              <a:buChar char="§"/>
+              <a:buFont typeface="Wingdings" charset="2"/>
+              <a:buChar char="ü"/>
             </a:pPr>
             <a:r>
               <a:rPr kumimoji="0" lang="en-US" altLang="en-US" b="0" i="0" u="none" strike="noStrike" cap="none" normalizeH="0" baseline="0" dirty="0" smtClean="0">
@@ -7153,8 +7151,8 @@
           </a:p>
           <a:p>
             <a:pPr marL="742950" lvl="1" indent="-285750">
-              <a:buFont typeface="Wingdings" panose="05000000000000000000" pitchFamily="2" charset="2"/>
-              <a:buChar char="§"/>
+              <a:buFont typeface="Wingdings" charset="2"/>
+              <a:buChar char="ü"/>
             </a:pPr>
             <a:r>
               <a:rPr kumimoji="0" lang="en-US" altLang="en-US" b="0" i="0" u="none" strike="noStrike" cap="none" normalizeH="0" baseline="0" dirty="0" smtClean="0">
@@ -7174,8 +7172,8 @@
           </a:p>
           <a:p>
             <a:pPr marL="1200150" lvl="2" indent="-285750">
-              <a:buFont typeface="Wingdings" panose="05000000000000000000" pitchFamily="2" charset="2"/>
-              <a:buChar char="§"/>
+              <a:buFont typeface="Wingdings" charset="2"/>
+              <a:buChar char="ü"/>
             </a:pPr>
             <a:r>
               <a:rPr kumimoji="0" lang="en-US" altLang="en-US" b="0" i="0" u="none" strike="noStrike" cap="none" normalizeH="0" baseline="0" dirty="0" smtClean="0">
@@ -7205,8 +7203,8 @@
           </a:p>
           <a:p>
             <a:pPr marL="742950" lvl="1" indent="-285750">
-              <a:buFont typeface="Wingdings" panose="05000000000000000000" pitchFamily="2" charset="2"/>
-              <a:buChar char="§"/>
+              <a:buFont typeface="Wingdings" charset="2"/>
+              <a:buChar char="ü"/>
             </a:pPr>
             <a:r>
               <a:rPr kumimoji="0" lang="en-US" altLang="en-US" b="0" i="0" u="none" strike="noStrike" cap="none" normalizeH="0" baseline="0" dirty="0" smtClean="0">
@@ -7236,8 +7234,8 @@
           </a:p>
           <a:p>
             <a:pPr marL="742950" lvl="1" indent="-285750">
-              <a:buFont typeface="Wingdings" panose="05000000000000000000" pitchFamily="2" charset="2"/>
-              <a:buChar char="§"/>
+              <a:buFont typeface="Wingdings" charset="2"/>
+              <a:buChar char="ü"/>
             </a:pPr>
             <a:r>
               <a:rPr kumimoji="0" lang="en-US" altLang="en-US" b="0" i="0" u="none" strike="noStrike" cap="none" normalizeH="0" baseline="0" dirty="0" smtClean="0">
@@ -7280,7 +7278,7 @@
   <p:timing>
     <p:tnLst>
       <p:par>
-        <p:cTn id="1" dur="indefinite" restart="never" nodeType="tmRoot"/>
+        <p:cTn xmlns:p14="http://schemas.microsoft.com/office/powerpoint/2010/main" id="1" dur="indefinite" restart="never" nodeType="tmRoot"/>
       </p:par>
     </p:tnLst>
   </p:timing>
@@ -7405,14 +7403,14 @@
           </a:ln>
           <a:effectLst/>
           <a:extLst>
-            <a:ext uri="{909E8E84-426E-40DD-AFC4-6F175D3DCCD1}">
+            <a:ext uri="{909E8E84-426E-40dd-AFC4-6F175D3DCCD1}">
               <a14:hiddenFill xmlns:a14="http://schemas.microsoft.com/office/drawing/2010/main">
                 <a:solidFill>
                   <a:schemeClr val="accent1"/>
                 </a:solidFill>
               </a14:hiddenFill>
             </a:ext>
-            <a:ext uri="{91240B29-F687-4F45-9708-019B960494DF}">
+            <a:ext uri="{91240B29-F687-4f45-9708-019B960494DF}">
               <a14:hiddenLine xmlns:a14="http://schemas.microsoft.com/office/drawing/2010/main" w="9525">
                 <a:solidFill>
                   <a:schemeClr val="tx1"/>
@@ -7422,7 +7420,7 @@
                 <a:tailEnd/>
               </a14:hiddenLine>
             </a:ext>
-            <a:ext uri="{AF507438-7753-43E0-B8FC-AC1667EBCBE1}">
+            <a:ext uri="{AF507438-7753-43e0-B8FC-AC1667EBCBE1}">
               <a14:hiddenEffects xmlns:a14="http://schemas.microsoft.com/office/drawing/2010/main">
                 <a:effectLst>
                   <a:outerShdw dist="35921" dir="2700000" algn="ctr" rotWithShape="0">
@@ -7705,7 +7703,7 @@
   <p:timing>
     <p:tnLst>
       <p:par>
-        <p:cTn id="1" dur="indefinite" restart="never" nodeType="tmRoot"/>
+        <p:cTn xmlns:p14="http://schemas.microsoft.com/office/powerpoint/2010/main" id="1" dur="indefinite" restart="never" nodeType="tmRoot"/>
       </p:par>
     </p:tnLst>
   </p:timing>
@@ -7777,7 +7775,7 @@
         </p:spPr>
         <p:txBody>
           <a:bodyPr vert="horz" lIns="91440" tIns="45720" rIns="91440" bIns="45720" rtlCol="0" anchor="ctr">
-            <a:normAutofit/>
+            <a:normAutofit fontScale="92500"/>
           </a:bodyPr>
           <a:lstStyle>
             <a:lvl1pPr algn="ctr" defTabSz="914400" rtl="0" eaLnBrk="1" latinLnBrk="0" hangingPunct="1">
@@ -7803,8 +7801,21 @@
                   <a:schemeClr val="bg1"/>
                 </a:solidFill>
               </a:rPr>
-              <a:t>Sprint 0: Capture Sprint</a:t>
-            </a:r>
+              <a:t>Sprint 0: Capture </a:t>
+            </a:r>
+            <a:r>
+              <a:rPr lang="en-US" b="1" dirty="0" smtClean="0">
+                <a:solidFill>
+                  <a:schemeClr val="bg1"/>
+                </a:solidFill>
+              </a:rPr>
+              <a:t>Sprint - Discussion</a:t>
+            </a:r>
+            <a:endParaRPr lang="en-US" b="1" dirty="0" smtClean="0">
+              <a:solidFill>
+                <a:schemeClr val="bg1"/>
+              </a:solidFill>
+            </a:endParaRPr>
           </a:p>
         </p:txBody>
       </p:sp>
@@ -7830,14 +7841,14 @@
           </a:ln>
           <a:effectLst/>
           <a:extLst>
-            <a:ext uri="{909E8E84-426E-40DD-AFC4-6F175D3DCCD1}">
+            <a:ext uri="{909E8E84-426E-40dd-AFC4-6F175D3DCCD1}">
               <a14:hiddenFill xmlns:a14="http://schemas.microsoft.com/office/drawing/2010/main">
                 <a:solidFill>
                   <a:schemeClr val="accent1"/>
                 </a:solidFill>
               </a14:hiddenFill>
             </a:ext>
-            <a:ext uri="{91240B29-F687-4F45-9708-019B960494DF}">
+            <a:ext uri="{91240B29-F687-4f45-9708-019B960494DF}">
               <a14:hiddenLine xmlns:a14="http://schemas.microsoft.com/office/drawing/2010/main" w="9525">
                 <a:solidFill>
                   <a:schemeClr val="tx1"/>
@@ -7847,7 +7858,7 @@
                 <a:tailEnd/>
               </a14:hiddenLine>
             </a:ext>
-            <a:ext uri="{AF507438-7753-43E0-B8FC-AC1667EBCBE1}">
+            <a:ext uri="{AF507438-7753-43e0-B8FC-AC1667EBCBE1}">
               <a14:hiddenEffects xmlns:a14="http://schemas.microsoft.com/office/drawing/2010/main">
                 <a:effectLst>
                   <a:outerShdw dist="35921" dir="2700000" algn="ctr" rotWithShape="0">
@@ -8245,7 +8256,7 @@
   <p:timing>
     <p:tnLst>
       <p:par>
-        <p:cTn id="1" dur="indefinite" restart="never" nodeType="tmRoot"/>
+        <p:cTn xmlns:p14="http://schemas.microsoft.com/office/powerpoint/2010/main" id="1" dur="indefinite" restart="never" nodeType="tmRoot"/>
       </p:par>
     </p:tnLst>
   </p:timing>
@@ -8385,7 +8396,7 @@
   <p:timing>
     <p:tnLst>
       <p:par>
-        <p:cTn id="1" dur="indefinite" restart="never" nodeType="tmRoot"/>
+        <p:cTn xmlns:p14="http://schemas.microsoft.com/office/powerpoint/2010/main" id="1" dur="indefinite" restart="never" nodeType="tmRoot"/>
       </p:par>
     </p:tnLst>
   </p:timing>
@@ -8525,7 +8536,7 @@
   <p:timing>
     <p:tnLst>
       <p:par>
-        <p:cTn id="1" dur="indefinite" restart="never" nodeType="tmRoot"/>
+        <p:cTn xmlns:p14="http://schemas.microsoft.com/office/powerpoint/2010/main" id="1" dur="indefinite" restart="never" nodeType="tmRoot"/>
       </p:par>
     </p:tnLst>
   </p:timing>
@@ -8670,7 +8681,7 @@
   <p:timing>
     <p:tnLst>
       <p:par>
-        <p:cTn id="1" dur="indefinite" restart="never" nodeType="tmRoot"/>
+        <p:cTn xmlns:p14="http://schemas.microsoft.com/office/powerpoint/2010/main" id="1" dur="indefinite" restart="never" nodeType="tmRoot"/>
       </p:par>
     </p:tnLst>
   </p:timing>
@@ -8826,7 +8837,7 @@
   <p:timing>
     <p:tnLst>
       <p:par>
-        <p:cTn id="1" dur="indefinite" restart="never" nodeType="tmRoot"/>
+        <p:cTn xmlns:p14="http://schemas.microsoft.com/office/powerpoint/2010/main" id="1" dur="indefinite" restart="never" nodeType="tmRoot"/>
       </p:par>
     </p:tnLst>
   </p:timing>
